--- a/Financial Crime – Data Science Technical Exercise - VeniaminHernandez.pptx
+++ b/Financial Crime – Data Science Technical Exercise - VeniaminHernandez.pptx
@@ -106,6 +106,11 @@
       </a:defRPr>
     </a:lvl9pPr>
   </p:defaultTextStyle>
+  <p:extLst>
+    <p:ext uri="{EFAFB233-063F-42B5-8137-9DF3F51BA10A}">
+      <p15:sldGuideLst xmlns:p15="http://schemas.microsoft.com/office/powerpoint/2012/main"/>
+    </p:ext>
+  </p:extLst>
 </p:presentation>
 </file>
 
@@ -3356,7 +3361,7 @@
         </p:spPr>
         <p:txBody>
           <a:bodyPr>
-            <a:normAutofit fontScale="85000" lnSpcReduction="20000"/>
+            <a:normAutofit fontScale="62500" lnSpcReduction="20000"/>
           </a:bodyPr>
           <a:lstStyle/>
           <a:p>
@@ -3364,7 +3369,7 @@
               <a:buNone/>
             </a:pPr>
             <a:r>
-              <a:rPr lang="en-GB" sz="2200" dirty="0"/>
+              <a:rPr lang="en-GB" sz="2600" dirty="0"/>
               <a:t>If you want to survive your foraging activities, best to know what attributes you need to pay attention to avoid collecting poisonous mushrooms!</a:t>
             </a:r>
           </a:p>
@@ -3372,14 +3377,14 @@
             <a:pPr marL="0" indent="0">
               <a:buNone/>
             </a:pPr>
-            <a:endParaRPr lang="en-GB" sz="2200" dirty="0"/>
+            <a:endParaRPr lang="en-GB" sz="2600" dirty="0"/>
           </a:p>
           <a:p>
             <a:pPr marL="0" indent="0">
               <a:buNone/>
             </a:pPr>
             <a:r>
-              <a:rPr lang="en-GB" sz="2200" dirty="0"/>
+              <a:rPr lang="en-GB" sz="2600" dirty="0"/>
               <a:t>You are lucky, as out of the many attributes that define mushrooms, just a few ones can really help.</a:t>
             </a:r>
           </a:p>
@@ -3387,22 +3392,22 @@
             <a:pPr marL="0" indent="0">
               <a:buNone/>
             </a:pPr>
-            <a:endParaRPr lang="en-GB" sz="2200" dirty="0"/>
+            <a:endParaRPr lang="en-GB" sz="2600" dirty="0"/>
           </a:p>
           <a:p>
             <a:pPr marL="0" indent="0">
               <a:buNone/>
             </a:pPr>
             <a:r>
-              <a:rPr lang="en-GB" sz="2200" dirty="0"/>
+              <a:rPr lang="en-GB" sz="2600" dirty="0"/>
               <a:t>Given that </a:t>
             </a:r>
             <a:r>
-              <a:rPr lang="en-GB" sz="2200" dirty="0" err="1"/>
+              <a:rPr lang="en-GB" sz="2600" dirty="0" err="1"/>
               <a:t>odor</a:t>
             </a:r>
             <a:r>
-              <a:rPr lang="en-GB" sz="2200" dirty="0"/>
+              <a:rPr lang="en-GB" sz="2600" dirty="0"/>
               <a:t> is what best gives away poisonous mushrooms, I do hope you have a “good” nose, because you will need it!, </a:t>
             </a:r>
           </a:p>
@@ -3410,14 +3415,14 @@
             <a:pPr marL="0" indent="0">
               <a:buNone/>
             </a:pPr>
-            <a:endParaRPr lang="en-GB" sz="2200" dirty="0"/>
+            <a:endParaRPr lang="en-GB" sz="2600" dirty="0"/>
           </a:p>
           <a:p>
             <a:pPr marL="0" indent="0">
               <a:buNone/>
             </a:pPr>
             <a:r>
-              <a:rPr lang="en-GB" sz="2200" dirty="0"/>
+              <a:rPr lang="en-GB" sz="2600" dirty="0"/>
               <a:t>Nex time you go out foraging, please pay attention to the following recommendations and good luck!</a:t>
             </a:r>
           </a:p>
@@ -3425,98 +3430,127 @@
             <a:pPr marL="0" indent="0">
               <a:buNone/>
             </a:pPr>
-            <a:endParaRPr lang="en-GB" sz="2300" dirty="0"/>
-          </a:p>
-          <a:p>
-            <a:pPr marL="457200" indent="-457200">
-              <a:buFont typeface="+mj-lt"/>
-              <a:buAutoNum type="arabicPeriod"/>
+            <a:endParaRPr lang="en-GB" sz="2600" dirty="0"/>
+          </a:p>
+          <a:p>
+            <a:pPr marL="0" indent="0">
+              <a:buNone/>
             </a:pPr>
             <a:r>
-              <a:rPr lang="en-GB" sz="2200" dirty="0"/>
-              <a:t>If no particular strong </a:t>
-            </a:r>
-            <a:r>
-              <a:rPr lang="en-GB" sz="2200" dirty="0" err="1"/>
+              <a:rPr lang="en-GB" sz="2600" dirty="0"/>
+              <a:t>1. If no particular </a:t>
+            </a:r>
+            <a:r>
+              <a:rPr lang="en-GB" sz="2600" dirty="0" err="1"/>
               <a:t>odor</a:t>
             </a:r>
             <a:r>
-              <a:rPr lang="en-GB" sz="2200" dirty="0"/>
+              <a:rPr lang="en-GB" sz="2600" dirty="0"/>
               <a:t> is present (</a:t>
             </a:r>
             <a:r>
-              <a:rPr lang="en-GB" sz="2200" dirty="0" err="1"/>
+              <a:rPr lang="en-GB" sz="2600" dirty="0" err="1"/>
               <a:t>odor</a:t>
             </a:r>
             <a:r>
-              <a:rPr lang="en-GB" sz="2200" dirty="0"/>
-              <a:t>-none), then most likely the mushroom is edible</a:t>
-            </a:r>
-          </a:p>
-          <a:p>
-            <a:pPr marL="457200" indent="-457200">
-              <a:buFont typeface="+mj-lt"/>
-              <a:buAutoNum type="arabicPeriod"/>
+              <a:rPr lang="en-GB" sz="2600" dirty="0"/>
+              <a:t>-none), then the chances of the mushroom being poisonous decrease</a:t>
+            </a:r>
+          </a:p>
+          <a:p>
+            <a:pPr marL="0" indent="0">
+              <a:buNone/>
             </a:pPr>
             <a:r>
-              <a:rPr lang="en-GB" sz="2200" dirty="0"/>
-              <a:t>If the mushroom has an almond-like </a:t>
-            </a:r>
-            <a:r>
-              <a:rPr lang="en-GB" sz="2200" dirty="0" err="1"/>
+              <a:rPr lang="en-GB" sz="2600" dirty="0"/>
+              <a:t>2. If the mushroom has an almond-like </a:t>
+            </a:r>
+            <a:r>
+              <a:rPr lang="en-GB" sz="2600" dirty="0" err="1"/>
               <a:t>odor</a:t>
             </a:r>
             <a:r>
-              <a:rPr lang="en-GB" sz="2200" dirty="0"/>
-              <a:t>, then most likely the mushroom is edible</a:t>
-            </a:r>
-          </a:p>
-          <a:p>
-            <a:pPr marL="457200" indent="-457200">
-              <a:buFont typeface="+mj-lt"/>
-              <a:buAutoNum type="arabicPeriod"/>
+              <a:rPr lang="en-GB" sz="2600" dirty="0"/>
+              <a:t>, then the chances of the mushroom being poisonous decrease</a:t>
+            </a:r>
+          </a:p>
+          <a:p>
+            <a:pPr marL="0" indent="0">
+              <a:buNone/>
             </a:pPr>
             <a:r>
-              <a:rPr lang="en-GB" sz="2200" dirty="0"/>
-              <a:t>If the mushroom has an anise-like </a:t>
-            </a:r>
-            <a:r>
-              <a:rPr lang="en-GB" sz="2200" dirty="0" err="1"/>
+              <a:rPr lang="en-GB" sz="2600" dirty="0"/>
+              <a:t>3. If the mushroom has an anise-like </a:t>
+            </a:r>
+            <a:r>
+              <a:rPr lang="en-GB" sz="2600" dirty="0" err="1"/>
               <a:t>odor</a:t>
             </a:r>
             <a:r>
-              <a:rPr lang="en-GB" sz="2200" dirty="0"/>
-              <a:t>, then most chances are that the mushroom is good to eat</a:t>
-            </a:r>
-          </a:p>
-          <a:p>
-            <a:pPr marL="457200" indent="-457200">
-              <a:buFont typeface="+mj-lt"/>
-              <a:buAutoNum type="arabicPeriod"/>
+              <a:rPr lang="en-GB" sz="2600" dirty="0"/>
+              <a:t>, then the chances of the mushroom being poisonous decrease</a:t>
+            </a:r>
+          </a:p>
+          <a:p>
+            <a:pPr marL="0" indent="0">
+              <a:buNone/>
             </a:pPr>
             <a:r>
-              <a:rPr lang="en-GB" sz="2200" dirty="0"/>
-              <a:t>If the mushroom has a foul-like </a:t>
-            </a:r>
-            <a:r>
-              <a:rPr lang="en-GB" sz="2200" dirty="0" err="1"/>
+              <a:rPr lang="en-GB" sz="2600" dirty="0"/>
+              <a:t>4. If the mushroom has a foul-like </a:t>
+            </a:r>
+            <a:r>
+              <a:rPr lang="en-GB" sz="2600" dirty="0" err="1"/>
               <a:t>odor</a:t>
             </a:r>
             <a:r>
-              <a:rPr lang="en-GB" sz="2200" dirty="0"/>
-              <a:t>, then run away, as the chances of the mushroom being poisonous are high</a:t>
-            </a:r>
-          </a:p>
-          <a:p>
-            <a:pPr marL="457200" indent="-457200">
-              <a:buFont typeface="+mj-lt"/>
-              <a:buAutoNum type="arabicPeriod"/>
+              <a:rPr lang="en-GB" sz="2600" dirty="0"/>
+              <a:t>, then then chances of the mushroom being poisonous increase</a:t>
+            </a:r>
+          </a:p>
+          <a:p>
+            <a:pPr marL="0" indent="0">
+              <a:buNone/>
             </a:pPr>
             <a:r>
-              <a:rPr lang="en-GB" sz="2200" dirty="0"/>
-              <a:t>If the mushroom has a broad gill-size, then most chances are that the mushroom is good to eat</a:t>
-            </a:r>
-            <a:endParaRPr lang="en-GB" dirty="0"/>
+              <a:rPr lang="en-GB" sz="2600" dirty="0"/>
+              <a:t>5. If the mushroom has a broad gill-size, then the chances of the mushroom being poisonous decrease</a:t>
+            </a:r>
+          </a:p>
+          <a:p>
+            <a:pPr marL="0" indent="0">
+              <a:buNone/>
+            </a:pPr>
+            <a:r>
+              <a:rPr lang="en-GB" sz="2600" dirty="0"/>
+              <a:t>6. If the mushroom has a green or chocolate spore print </a:t>
+            </a:r>
+            <a:r>
+              <a:rPr lang="en-GB" sz="2600" dirty="0" err="1"/>
+              <a:t>color</a:t>
+            </a:r>
+            <a:r>
+              <a:rPr lang="en-GB" sz="2600" dirty="0"/>
+              <a:t>, then the chances of the mushroom being poisonous increase</a:t>
+            </a:r>
+          </a:p>
+          <a:p>
+            <a:pPr marL="0" indent="0">
+              <a:buNone/>
+            </a:pPr>
+            <a:r>
+              <a:rPr lang="en-GB" sz="2600" dirty="0"/>
+              <a:t>7. If the mushroom has a pendant ring type, then the chances of the mushroom being poisonous decrease</a:t>
+            </a:r>
+          </a:p>
+          <a:p>
+            <a:pPr marL="0" indent="0">
+              <a:buNone/>
+            </a:pPr>
+            <a:r>
+              <a:rPr lang="en-GB" sz="2600" dirty="0"/>
+              <a:t>8. If the mushroom does not have bruises, then the chances of the mushroom being poisonous increase</a:t>
+            </a:r>
           </a:p>
           <a:p>
             <a:pPr marL="0" indent="0">
